--- a/parcial 1/Practica 2.pptx
+++ b/parcial 1/Practica 2.pptx
@@ -6,6 +6,8 @@
   </p:sldMasterIdLst>
   <p:sldIdLst>
     <p:sldId id="256" r:id="rId2"/>
+    <p:sldId id="257" r:id="rId3"/>
+    <p:sldId id="258" r:id="rId4"/>
   </p:sldIdLst>
   <p:sldSz cx="12192000" cy="6858000"/>
   <p:notesSz cx="6858000" cy="9144000"/>
@@ -104,6 +106,11 @@
       </a:defRPr>
     </a:lvl9pPr>
   </p:defaultTextStyle>
+  <p:extLst>
+    <p:ext uri="{EFAFB233-063F-42B5-8137-9DF3F51BA10A}">
+      <p15:sldGuideLst xmlns:p15="http://schemas.microsoft.com/office/powerpoint/2012/main"/>
+    </p:ext>
+  </p:extLst>
 </p:presentation>
 </file>
 
@@ -238,7 +245,7 @@
           <a:p>
             <a:fld id="{B7F0593A-98ED-4B83-9AC7-3AA07834E191}" type="datetimeFigureOut">
               <a:rPr lang="es-MX" smtClean="0"/>
-              <a:t>13/02/2025</a:t>
+              <a:t>18/02/2025</a:t>
             </a:fld>
             <a:endParaRPr lang="es-MX"/>
           </a:p>
@@ -408,7 +415,7 @@
           <a:p>
             <a:fld id="{B7F0593A-98ED-4B83-9AC7-3AA07834E191}" type="datetimeFigureOut">
               <a:rPr lang="es-MX" smtClean="0"/>
-              <a:t>13/02/2025</a:t>
+              <a:t>18/02/2025</a:t>
             </a:fld>
             <a:endParaRPr lang="es-MX"/>
           </a:p>
@@ -588,7 +595,7 @@
           <a:p>
             <a:fld id="{B7F0593A-98ED-4B83-9AC7-3AA07834E191}" type="datetimeFigureOut">
               <a:rPr lang="es-MX" smtClean="0"/>
-              <a:t>13/02/2025</a:t>
+              <a:t>18/02/2025</a:t>
             </a:fld>
             <a:endParaRPr lang="es-MX"/>
           </a:p>
@@ -758,7 +765,7 @@
           <a:p>
             <a:fld id="{B7F0593A-98ED-4B83-9AC7-3AA07834E191}" type="datetimeFigureOut">
               <a:rPr lang="es-MX" smtClean="0"/>
-              <a:t>13/02/2025</a:t>
+              <a:t>18/02/2025</a:t>
             </a:fld>
             <a:endParaRPr lang="es-MX"/>
           </a:p>
@@ -1004,7 +1011,7 @@
           <a:p>
             <a:fld id="{B7F0593A-98ED-4B83-9AC7-3AA07834E191}" type="datetimeFigureOut">
               <a:rPr lang="es-MX" smtClean="0"/>
-              <a:t>13/02/2025</a:t>
+              <a:t>18/02/2025</a:t>
             </a:fld>
             <a:endParaRPr lang="es-MX"/>
           </a:p>
@@ -1236,7 +1243,7 @@
           <a:p>
             <a:fld id="{B7F0593A-98ED-4B83-9AC7-3AA07834E191}" type="datetimeFigureOut">
               <a:rPr lang="es-MX" smtClean="0"/>
-              <a:t>13/02/2025</a:t>
+              <a:t>18/02/2025</a:t>
             </a:fld>
             <a:endParaRPr lang="es-MX"/>
           </a:p>
@@ -1603,7 +1610,7 @@
           <a:p>
             <a:fld id="{B7F0593A-98ED-4B83-9AC7-3AA07834E191}" type="datetimeFigureOut">
               <a:rPr lang="es-MX" smtClean="0"/>
-              <a:t>13/02/2025</a:t>
+              <a:t>18/02/2025</a:t>
             </a:fld>
             <a:endParaRPr lang="es-MX"/>
           </a:p>
@@ -1721,7 +1728,7 @@
           <a:p>
             <a:fld id="{B7F0593A-98ED-4B83-9AC7-3AA07834E191}" type="datetimeFigureOut">
               <a:rPr lang="es-MX" smtClean="0"/>
-              <a:t>13/02/2025</a:t>
+              <a:t>18/02/2025</a:t>
             </a:fld>
             <a:endParaRPr lang="es-MX"/>
           </a:p>
@@ -1816,7 +1823,7 @@
           <a:p>
             <a:fld id="{B7F0593A-98ED-4B83-9AC7-3AA07834E191}" type="datetimeFigureOut">
               <a:rPr lang="es-MX" smtClean="0"/>
-              <a:t>13/02/2025</a:t>
+              <a:t>18/02/2025</a:t>
             </a:fld>
             <a:endParaRPr lang="es-MX"/>
           </a:p>
@@ -2093,7 +2100,7 @@
           <a:p>
             <a:fld id="{B7F0593A-98ED-4B83-9AC7-3AA07834E191}" type="datetimeFigureOut">
               <a:rPr lang="es-MX" smtClean="0"/>
-              <a:t>13/02/2025</a:t>
+              <a:t>18/02/2025</a:t>
             </a:fld>
             <a:endParaRPr lang="es-MX"/>
           </a:p>
@@ -2346,7 +2353,7 @@
           <a:p>
             <a:fld id="{B7F0593A-98ED-4B83-9AC7-3AA07834E191}" type="datetimeFigureOut">
               <a:rPr lang="es-MX" smtClean="0"/>
-              <a:t>13/02/2025</a:t>
+              <a:t>18/02/2025</a:t>
             </a:fld>
             <a:endParaRPr lang="es-MX"/>
           </a:p>
@@ -2559,7 +2566,7 @@
           <a:p>
             <a:fld id="{B7F0593A-98ED-4B83-9AC7-3AA07834E191}" type="datetimeFigureOut">
               <a:rPr lang="es-MX" smtClean="0"/>
-              <a:t>13/02/2025</a:t>
+              <a:t>18/02/2025</a:t>
             </a:fld>
             <a:endParaRPr lang="es-MX"/>
           </a:p>
@@ -2987,19 +2994,24 @@
             <p:ph type="ctrTitle"/>
           </p:nvPr>
         </p:nvSpPr>
-        <p:spPr/>
+        <p:spPr>
+          <a:xfrm>
+            <a:off x="1524000" y="2316163"/>
+            <a:ext cx="9762310" cy="1929266"/>
+          </a:xfrm>
+        </p:spPr>
         <p:txBody>
           <a:bodyPr/>
           <a:lstStyle/>
           <a:p>
             <a:r>
               <a:rPr lang="es-MX" dirty="0" smtClean="0">
-                <a:latin typeface="Bernard MT Condensed" panose="02050806060905020404" pitchFamily="18" charset="0"/>
+                <a:latin typeface="Georgia" panose="02040502050405020303" pitchFamily="18" charset="0"/>
               </a:rPr>
               <a:t>Vanessa Morales Meza 2AVP</a:t>
             </a:r>
             <a:endParaRPr lang="es-MX" dirty="0">
-              <a:latin typeface="Bernard MT Condensed" panose="02050806060905020404" pitchFamily="18" charset="0"/>
+              <a:latin typeface="Georgia" panose="02040502050405020303" pitchFamily="18" charset="0"/>
             </a:endParaRPr>
           </a:p>
         </p:txBody>
@@ -3016,8 +3028,8 @@
         </p:nvSpPr>
         <p:spPr>
           <a:xfrm>
-            <a:off x="-1441269" y="1754460"/>
-            <a:ext cx="9435737" cy="561703"/>
+            <a:off x="-670560" y="1619794"/>
+            <a:ext cx="9435737" cy="892311"/>
           </a:xfrm>
         </p:spPr>
         <p:txBody>
@@ -3027,13 +3039,13 @@
           <a:lstStyle/>
           <a:p>
             <a:r>
-              <a:rPr lang="es-MX" dirty="0" smtClean="0">
-                <a:latin typeface="Arial Black" panose="020B0A04020102020204" pitchFamily="34" charset="0"/>
+              <a:rPr lang="es-MX" sz="3600" dirty="0" smtClean="0">
+                <a:latin typeface="Georgia" panose="02040502050405020303" pitchFamily="18" charset="0"/>
               </a:rPr>
               <a:t>Mi nombre es:</a:t>
             </a:r>
-            <a:endParaRPr lang="es-MX" dirty="0">
-              <a:latin typeface="Arial Black" panose="020B0A04020102020204" pitchFamily="34" charset="0"/>
+            <a:endParaRPr lang="es-MX" sz="3600" dirty="0">
+              <a:latin typeface="Georgia" panose="02040502050405020303" pitchFamily="18" charset="0"/>
             </a:endParaRPr>
           </a:p>
         </p:txBody>
@@ -3042,6 +3054,275 @@
     <p:extLst>
       <p:ext uri="{BB962C8B-B14F-4D97-AF65-F5344CB8AC3E}">
         <p14:creationId xmlns:p14="http://schemas.microsoft.com/office/powerpoint/2010/main" val="1335982269"/>
+      </p:ext>
+    </p:extLst>
+  </p:cSld>
+  <p:clrMapOvr>
+    <a:masterClrMapping/>
+  </p:clrMapOvr>
+</p:sld>
+</file>
+
+<file path=ppt/slides/slide2.xml><?xml version="1.0" encoding="utf-8"?>
+<p:sld xmlns:a="http://schemas.openxmlformats.org/drawingml/2006/main" xmlns:r="http://schemas.openxmlformats.org/officeDocument/2006/relationships" xmlns:p="http://schemas.openxmlformats.org/presentationml/2006/main">
+  <p:cSld>
+    <p:bg>
+      <p:bgPr>
+        <a:pattFill prst="lgGrid">
+          <a:fgClr>
+            <a:srgbClr val="FFCCFF"/>
+          </a:fgClr>
+          <a:bgClr>
+            <a:schemeClr val="bg1"/>
+          </a:bgClr>
+        </a:pattFill>
+        <a:effectLst/>
+      </p:bgPr>
+    </p:bg>
+    <p:spTree>
+      <p:nvGrpSpPr>
+        <p:cNvPr id="1" name=""/>
+        <p:cNvGrpSpPr/>
+        <p:nvPr/>
+      </p:nvGrpSpPr>
+      <p:grpSpPr>
+        <a:xfrm>
+          <a:off x="0" y="0"/>
+          <a:ext cx="0" cy="0"/>
+          <a:chOff x="0" y="0"/>
+          <a:chExt cx="0" cy="0"/>
+        </a:xfrm>
+      </p:grpSpPr>
+      <p:sp>
+        <p:nvSpPr>
+          <p:cNvPr id="2" name="CuadroTexto 1"/>
+          <p:cNvSpPr txBox="1"/>
+          <p:nvPr/>
+        </p:nvSpPr>
+        <p:spPr>
+          <a:xfrm>
+            <a:off x="2873827" y="1071153"/>
+            <a:ext cx="7445830" cy="4031873"/>
+          </a:xfrm>
+          <a:prstGeom prst="rect">
+            <a:avLst/>
+          </a:prstGeom>
+          <a:noFill/>
+        </p:spPr>
+        <p:txBody>
+          <a:bodyPr wrap="square" rtlCol="0">
+            <a:spAutoFit/>
+          </a:bodyPr>
+          <a:lstStyle/>
+          <a:p>
+            <a:r>
+              <a:rPr lang="es-MX" sz="3200" dirty="0" smtClean="0">
+                <a:latin typeface="Georgia" panose="02040502050405020303" pitchFamily="18" charset="0"/>
+              </a:rPr>
+              <a:t>Me gusta leer, ver películas y series, pasar tiempo con las personas que amo, jugar </a:t>
+            </a:r>
+            <a:r>
+              <a:rPr lang="es-MX" sz="3200" dirty="0" err="1" smtClean="0">
+                <a:latin typeface="Georgia" panose="02040502050405020303" pitchFamily="18" charset="0"/>
+              </a:rPr>
+              <a:t>roblox</a:t>
+            </a:r>
+            <a:r>
+              <a:rPr lang="es-MX" sz="3200" dirty="0" smtClean="0">
+                <a:latin typeface="Georgia" panose="02040502050405020303" pitchFamily="18" charset="0"/>
+              </a:rPr>
+              <a:t> con mis amigos, comer papitas fritas, los </a:t>
+            </a:r>
+            <a:r>
+              <a:rPr lang="es-MX" sz="3200" dirty="0" err="1" smtClean="0">
+                <a:latin typeface="Georgia" panose="02040502050405020303" pitchFamily="18" charset="0"/>
+              </a:rPr>
+              <a:t>boneless</a:t>
+            </a:r>
+            <a:r>
+              <a:rPr lang="es-MX" sz="3200" dirty="0">
+                <a:latin typeface="Georgia" panose="02040502050405020303" pitchFamily="18" charset="0"/>
+              </a:rPr>
+              <a:t> </a:t>
+            </a:r>
+            <a:r>
+              <a:rPr lang="es-MX" sz="3200" dirty="0" smtClean="0">
+                <a:latin typeface="Georgia" panose="02040502050405020303" pitchFamily="18" charset="0"/>
+              </a:rPr>
+              <a:t>y las hamburguesas y mis colores favoritos son el rosa, el lila y el negro.</a:t>
+            </a:r>
+          </a:p>
+          <a:p>
+            <a:endParaRPr lang="es-MX" sz="3200" dirty="0">
+              <a:latin typeface="Georgia" panose="02040502050405020303" pitchFamily="18" charset="0"/>
+            </a:endParaRPr>
+          </a:p>
+          <a:p>
+            <a:r>
+              <a:rPr lang="es-MX" sz="3200" dirty="0" smtClean="0">
+                <a:latin typeface="Georgia" panose="02040502050405020303" pitchFamily="18" charset="0"/>
+                <a:sym typeface="Wingdings" panose="05000000000000000000" pitchFamily="2" charset="2"/>
+              </a:rPr>
+              <a:t></a:t>
+            </a:r>
+            <a:endParaRPr lang="es-MX" sz="3200" dirty="0" smtClean="0">
+              <a:latin typeface="Georgia" panose="02040502050405020303" pitchFamily="18" charset="0"/>
+            </a:endParaRPr>
+          </a:p>
+        </p:txBody>
+      </p:sp>
+    </p:spTree>
+    <p:extLst>
+      <p:ext uri="{BB962C8B-B14F-4D97-AF65-F5344CB8AC3E}">
+        <p14:creationId xmlns:p14="http://schemas.microsoft.com/office/powerpoint/2010/main" val="3747226563"/>
+      </p:ext>
+    </p:extLst>
+  </p:cSld>
+  <p:clrMapOvr>
+    <a:masterClrMapping/>
+  </p:clrMapOvr>
+</p:sld>
+</file>
+
+<file path=ppt/slides/slide3.xml><?xml version="1.0" encoding="utf-8"?>
+<p:sld xmlns:a="http://schemas.openxmlformats.org/drawingml/2006/main" xmlns:r="http://schemas.openxmlformats.org/officeDocument/2006/relationships" xmlns:p="http://schemas.openxmlformats.org/presentationml/2006/main">
+  <p:cSld>
+    <p:bg>
+      <p:bgPr>
+        <a:pattFill prst="lgCheck">
+          <a:fgClr>
+            <a:srgbClr val="FFCCFF"/>
+          </a:fgClr>
+          <a:bgClr>
+            <a:schemeClr val="bg1"/>
+          </a:bgClr>
+        </a:pattFill>
+        <a:effectLst/>
+      </p:bgPr>
+    </p:bg>
+    <p:spTree>
+      <p:nvGrpSpPr>
+        <p:cNvPr id="1" name=""/>
+        <p:cNvGrpSpPr/>
+        <p:nvPr/>
+      </p:nvGrpSpPr>
+      <p:grpSpPr>
+        <a:xfrm>
+          <a:off x="0" y="0"/>
+          <a:ext cx="0" cy="0"/>
+          <a:chOff x="0" y="0"/>
+          <a:chExt cx="0" cy="0"/>
+        </a:xfrm>
+      </p:grpSpPr>
+      <p:pic>
+        <p:nvPicPr>
+          <p:cNvPr id="1026" name="Picture 2" descr="kali uchis media (@LAUNlCAUPDATES) / X"/>
+          <p:cNvPicPr>
+            <a:picLocks noChangeAspect="1" noChangeArrowheads="1"/>
+          </p:cNvPicPr>
+          <p:nvPr/>
+        </p:nvPicPr>
+        <p:blipFill>
+          <a:blip r:embed="rId2" cstate="print">
+            <a:extLst>
+              <a:ext uri="{28A0092B-C50C-407E-A947-70E740481C1C}">
+                <a14:useLocalDpi xmlns:a14="http://schemas.microsoft.com/office/drawing/2010/main" val="0"/>
+              </a:ext>
+            </a:extLst>
+          </a:blip>
+          <a:srcRect/>
+          <a:stretch>
+            <a:fillRect/>
+          </a:stretch>
+        </p:blipFill>
+        <p:spPr bwMode="auto">
+          <a:xfrm>
+            <a:off x="4206240" y="240577"/>
+            <a:ext cx="3540034" cy="4284974"/>
+          </a:xfrm>
+          <a:prstGeom prst="rect">
+            <a:avLst/>
+          </a:prstGeom>
+          <a:noFill/>
+          <a:extLst>
+            <a:ext uri="{909E8E84-426E-40DD-AFC4-6F175D3DCCD1}">
+              <a14:hiddenFill xmlns:a14="http://schemas.microsoft.com/office/drawing/2010/main">
+                <a:solidFill>
+                  <a:srgbClr val="FFFFFF"/>
+                </a:solidFill>
+              </a14:hiddenFill>
+            </a:ext>
+          </a:extLst>
+        </p:spPr>
+      </p:pic>
+      <p:sp>
+        <p:nvSpPr>
+          <p:cNvPr id="3" name="Rectángulo 2"/>
+          <p:cNvSpPr/>
+          <p:nvPr/>
+        </p:nvSpPr>
+        <p:spPr>
+          <a:xfrm>
+            <a:off x="3722914" y="5027097"/>
+            <a:ext cx="4446328" cy="1569660"/>
+          </a:xfrm>
+          <a:prstGeom prst="rect">
+            <a:avLst/>
+          </a:prstGeom>
+        </p:spPr>
+        <p:txBody>
+          <a:bodyPr wrap="square">
+            <a:spAutoFit/>
+          </a:bodyPr>
+          <a:lstStyle/>
+          <a:p>
+            <a:r>
+              <a:rPr lang="es-MX" sz="3200" dirty="0">
+                <a:latin typeface="Georgia" panose="02040502050405020303" pitchFamily="18" charset="0"/>
+              </a:rPr>
+              <a:t>Mi cantante favorita es </a:t>
+            </a:r>
+            <a:r>
+              <a:rPr lang="es-MX" sz="3200" dirty="0" err="1">
+                <a:latin typeface="Georgia" panose="02040502050405020303" pitchFamily="18" charset="0"/>
+              </a:rPr>
+              <a:t>Kali</a:t>
+            </a:r>
+            <a:r>
+              <a:rPr lang="es-MX" sz="3200" dirty="0">
+                <a:latin typeface="Georgia" panose="02040502050405020303" pitchFamily="18" charset="0"/>
+              </a:rPr>
+              <a:t> </a:t>
+            </a:r>
+            <a:r>
+              <a:rPr lang="es-MX" sz="3200" dirty="0" err="1">
+                <a:latin typeface="Georgia" panose="02040502050405020303" pitchFamily="18" charset="0"/>
+              </a:rPr>
+              <a:t>Uchis</a:t>
+            </a:r>
+            <a:r>
+              <a:rPr lang="es-MX" sz="3200" dirty="0">
+                <a:latin typeface="Georgia" panose="02040502050405020303" pitchFamily="18" charset="0"/>
+              </a:rPr>
+              <a:t>, me encanta </a:t>
+            </a:r>
+            <a:r>
+              <a:rPr lang="es-MX" sz="3200" dirty="0">
+                <a:latin typeface="Georgia" panose="02040502050405020303" pitchFamily="18" charset="0"/>
+                <a:sym typeface="Wingdings" panose="05000000000000000000" pitchFamily="2" charset="2"/>
+              </a:rPr>
+              <a:t></a:t>
+            </a:r>
+            <a:endParaRPr lang="es-MX" sz="3200" dirty="0">
+              <a:latin typeface="Georgia" panose="02040502050405020303" pitchFamily="18" charset="0"/>
+            </a:endParaRPr>
+          </a:p>
+        </p:txBody>
+      </p:sp>
+    </p:spTree>
+    <p:extLst>
+      <p:ext uri="{BB962C8B-B14F-4D97-AF65-F5344CB8AC3E}">
+        <p14:creationId xmlns:p14="http://schemas.microsoft.com/office/powerpoint/2010/main" val="394263277"/>
       </p:ext>
     </p:extLst>
   </p:cSld>
